--- a/Presentations/Presentation 1/Big Data Presentation 1.pptx
+++ b/Presentations/Presentation 1/Big Data Presentation 1.pptx
@@ -5,50 +5,49 @@
     <p:sldMasterId id="2147483659" r:id="rId1"/>
   </p:sldMasterIdLst>
   <p:notesMasterIdLst>
-    <p:notesMasterId r:id="rId26"/>
+    <p:notesMasterId r:id="rId25"/>
   </p:notesMasterIdLst>
   <p:sldIdLst>
     <p:sldId id="256" r:id="rId2"/>
-    <p:sldId id="257" r:id="rId3"/>
-    <p:sldId id="258" r:id="rId4"/>
-    <p:sldId id="259" r:id="rId5"/>
-    <p:sldId id="260" r:id="rId6"/>
-    <p:sldId id="261" r:id="rId7"/>
-    <p:sldId id="262" r:id="rId8"/>
-    <p:sldId id="263" r:id="rId9"/>
-    <p:sldId id="266" r:id="rId10"/>
-    <p:sldId id="267" r:id="rId11"/>
-    <p:sldId id="268" r:id="rId12"/>
-    <p:sldId id="269" r:id="rId13"/>
-    <p:sldId id="275" r:id="rId14"/>
-    <p:sldId id="264" r:id="rId15"/>
-    <p:sldId id="265" r:id="rId16"/>
-    <p:sldId id="270" r:id="rId17"/>
-    <p:sldId id="271" r:id="rId18"/>
-    <p:sldId id="272" r:id="rId19"/>
-    <p:sldId id="273" r:id="rId20"/>
-    <p:sldId id="274" r:id="rId21"/>
-    <p:sldId id="276" r:id="rId22"/>
-    <p:sldId id="277" r:id="rId23"/>
-    <p:sldId id="278" r:id="rId24"/>
-    <p:sldId id="279" r:id="rId25"/>
+    <p:sldId id="258" r:id="rId3"/>
+    <p:sldId id="259" r:id="rId4"/>
+    <p:sldId id="260" r:id="rId5"/>
+    <p:sldId id="261" r:id="rId6"/>
+    <p:sldId id="262" r:id="rId7"/>
+    <p:sldId id="263" r:id="rId8"/>
+    <p:sldId id="266" r:id="rId9"/>
+    <p:sldId id="267" r:id="rId10"/>
+    <p:sldId id="268" r:id="rId11"/>
+    <p:sldId id="269" r:id="rId12"/>
+    <p:sldId id="275" r:id="rId13"/>
+    <p:sldId id="264" r:id="rId14"/>
+    <p:sldId id="265" r:id="rId15"/>
+    <p:sldId id="270" r:id="rId16"/>
+    <p:sldId id="271" r:id="rId17"/>
+    <p:sldId id="272" r:id="rId18"/>
+    <p:sldId id="273" r:id="rId19"/>
+    <p:sldId id="274" r:id="rId20"/>
+    <p:sldId id="276" r:id="rId21"/>
+    <p:sldId id="277" r:id="rId22"/>
+    <p:sldId id="278" r:id="rId23"/>
+    <p:sldId id="279" r:id="rId24"/>
   </p:sldIdLst>
   <p:sldSz cx="9144000" cy="5143500" type="screen16x9"/>
   <p:notesSz cx="6858000" cy="9144000"/>
   <p:embeddedFontLst>
     <p:embeddedFont>
       <p:font typeface="Lato" panose="020F0502020204030203" pitchFamily="34" charset="77"/>
-      <p:regular r:id="rId27"/>
-      <p:bold r:id="rId28"/>
-      <p:italic r:id="rId29"/>
-      <p:boldItalic r:id="rId30"/>
+      <p:regular r:id="rId26"/>
+      <p:bold r:id="rId27"/>
+      <p:italic r:id="rId28"/>
+      <p:boldItalic r:id="rId29"/>
     </p:embeddedFont>
     <p:embeddedFont>
       <p:font typeface="Montserrat" pitchFamily="2" charset="77"/>
-      <p:regular r:id="rId31"/>
-      <p:bold r:id="rId32"/>
-      <p:italic r:id="rId33"/>
-      <p:boldItalic r:id="rId34"/>
+      <p:regular r:id="rId30"/>
+      <p:bold r:id="rId31"/>
+      <p:italic r:id="rId32"/>
+      <p:boldItalic r:id="rId33"/>
     </p:embeddedFont>
   </p:embeddedFontLst>
   <p:defaultTextStyle>
@@ -892,20 +891,26 @@
           <a:lstStyle/>
           <a:p>
             <a:r>
-              <a:rPr lang="en-US" dirty="0"/>
-              <a:t>This shows the number of storms that hit each state by year. </a:t>
+              <a:rPr lang="en-US" b="1" dirty="0"/>
+              <a:t>JAMES</a:t>
             </a:r>
+          </a:p>
+          <a:p>
+            <a:endParaRPr lang="en-US" dirty="0"/>
+          </a:p>
+          <a:p>
+            <a:endParaRPr lang="en-US" dirty="0"/>
           </a:p>
           <a:p>
             <a:r>
               <a:rPr lang="en-US" dirty="0"/>
-              <a:t>Consistently Florida receives several storms per year. </a:t>
+              <a:t>This is a normalized value for percent lost of the area planted.</a:t>
             </a:r>
           </a:p>
           <a:p>
             <a:r>
               <a:rPr lang="en-US" dirty="0"/>
-              <a:t>Meanwhile states like Virginia are barely on this graph.</a:t>
+              <a:t>As can be seen Texas has the highest average loss and most of the other states have similar percent losses.</a:t>
             </a:r>
           </a:p>
         </p:txBody>
@@ -913,7 +918,7 @@
     </p:spTree>
     <p:extLst>
       <p:ext uri="{BB962C8B-B14F-4D97-AF65-F5344CB8AC3E}">
-        <p14:creationId xmlns:p14="http://schemas.microsoft.com/office/powerpoint/2010/main" val="3496359928"/>
+        <p14:creationId xmlns:p14="http://schemas.microsoft.com/office/powerpoint/2010/main" val="3465682590"/>
       </p:ext>
     </p:extLst>
   </p:cSld>
@@ -972,15 +977,137 @@
           <a:bodyPr/>
           <a:lstStyle/>
           <a:p>
+            <a:pPr marL="457200" marR="0" lvl="0" indent="-298450" algn="l" defTabSz="914400" rtl="0" eaLnBrk="1" fontAlgn="auto" latinLnBrk="0" hangingPunct="1">
+              <a:lnSpc>
+                <a:spcPct val="100000"/>
+              </a:lnSpc>
+              <a:spcBef>
+                <a:spcPts val="0"/>
+              </a:spcBef>
+              <a:spcAft>
+                <a:spcPts val="0"/>
+              </a:spcAft>
+              <a:buClr>
+                <a:srgbClr val="000000"/>
+              </a:buClr>
+              <a:buSzPts val="1100"/>
+              <a:buFont typeface="Arial"/>
+              <a:buChar char="●"/>
+              <a:tabLst/>
+              <a:defRPr/>
+            </a:pPr>
+            <a:r>
+              <a:rPr lang="en-US" b="1" dirty="0"/>
+              <a:t>MADISON</a:t>
+            </a:r>
+          </a:p>
+          <a:p>
+            <a:pPr marL="457200" marR="0" lvl="0" indent="-298450" algn="l" defTabSz="914400" rtl="0" eaLnBrk="1" fontAlgn="auto" latinLnBrk="0" hangingPunct="1">
+              <a:lnSpc>
+                <a:spcPct val="100000"/>
+              </a:lnSpc>
+              <a:spcBef>
+                <a:spcPts val="0"/>
+              </a:spcBef>
+              <a:spcAft>
+                <a:spcPts val="0"/>
+              </a:spcAft>
+              <a:buClr>
+                <a:srgbClr val="000000"/>
+              </a:buClr>
+              <a:buSzPts val="1100"/>
+              <a:buFont typeface="Arial"/>
+              <a:buChar char="●"/>
+              <a:tabLst/>
+              <a:defRPr/>
+            </a:pPr>
+            <a:endParaRPr lang="en-US" dirty="0"/>
+          </a:p>
+          <a:p>
+            <a:pPr marL="457200" marR="0" lvl="0" indent="-298450" algn="l" defTabSz="914400" rtl="0" eaLnBrk="1" fontAlgn="auto" latinLnBrk="0" hangingPunct="1">
+              <a:lnSpc>
+                <a:spcPct val="100000"/>
+              </a:lnSpc>
+              <a:spcBef>
+                <a:spcPts val="0"/>
+              </a:spcBef>
+              <a:spcAft>
+                <a:spcPts val="0"/>
+              </a:spcAft>
+              <a:buClr>
+                <a:srgbClr val="000000"/>
+              </a:buClr>
+              <a:buSzPts val="1100"/>
+              <a:buFont typeface="Arial"/>
+              <a:buChar char="●"/>
+              <a:tabLst/>
+              <a:defRPr/>
+            </a:pPr>
             <a:r>
               <a:rPr lang="en-US" dirty="0"/>
-              <a:t>This is a normalized value for percent lost of the area planted.</a:t>
+              <a:t>Order is AL, FL, LA, TX </a:t>
             </a:r>
           </a:p>
           <a:p>
+            <a:pPr marL="457200" marR="0" lvl="0" indent="-298450" algn="l" defTabSz="914400" rtl="0" eaLnBrk="1" fontAlgn="auto" latinLnBrk="0" hangingPunct="1">
+              <a:lnSpc>
+                <a:spcPct val="100000"/>
+              </a:lnSpc>
+              <a:spcBef>
+                <a:spcPts val="0"/>
+              </a:spcBef>
+              <a:spcAft>
+                <a:spcPts val="0"/>
+              </a:spcAft>
+              <a:buClr>
+                <a:srgbClr val="000000"/>
+              </a:buClr>
+              <a:buSzPts val="1100"/>
+              <a:buFont typeface="Arial"/>
+              <a:buChar char="●"/>
+              <a:tabLst/>
+              <a:defRPr/>
+            </a:pPr>
             <a:r>
               <a:rPr lang="en-US" dirty="0"/>
-              <a:t>As can be seen Texas has the highest average loss and most of the other states have similar percent losses.</a:t>
+              <a:t>Each graph is a hyperlink to enlarged version. </a:t>
+            </a:r>
+          </a:p>
+          <a:p>
+            <a:pPr marL="457200" marR="0" lvl="0" indent="-298450" algn="l" defTabSz="914400" rtl="0" eaLnBrk="1" fontAlgn="auto" latinLnBrk="0" hangingPunct="1">
+              <a:lnSpc>
+                <a:spcPct val="100000"/>
+              </a:lnSpc>
+              <a:spcBef>
+                <a:spcPts val="0"/>
+              </a:spcBef>
+              <a:spcAft>
+                <a:spcPts val="0"/>
+              </a:spcAft>
+              <a:buClr>
+                <a:srgbClr val="000000"/>
+              </a:buClr>
+              <a:buSzPts val="1100"/>
+              <a:buFont typeface="Arial"/>
+              <a:buChar char="●"/>
+              <a:tabLst/>
+              <a:defRPr/>
+            </a:pPr>
+            <a:endParaRPr lang="en-US" dirty="0"/>
+          </a:p>
+          <a:p>
+            <a:r>
+              <a:rPr lang="en-US" dirty="0"/>
+              <a:t>We had the expectation that the loss would be heavily affected by the number of storms</a:t>
+            </a:r>
+          </a:p>
+          <a:p>
+            <a:endParaRPr lang="en-US" dirty="0"/>
+          </a:p>
+          <a:p>
+            <a:r>
+              <a:rPr lang="en-US" dirty="0"/>
+              <a:t>Our Conclusion: We did not find any correlation, in fact there were years where there were many storms and the loss was very low and vice versa. </a:t>
             </a:r>
           </a:p>
         </p:txBody>
@@ -988,7 +1115,7 @@
     </p:spTree>
     <p:extLst>
       <p:ext uri="{BB962C8B-B14F-4D97-AF65-F5344CB8AC3E}">
-        <p14:creationId xmlns:p14="http://schemas.microsoft.com/office/powerpoint/2010/main" val="3465682590"/>
+        <p14:creationId xmlns:p14="http://schemas.microsoft.com/office/powerpoint/2010/main" val="52553452"/>
       </p:ext>
     </p:extLst>
   </p:cSld>
@@ -1067,8 +1194,8 @@
               <a:defRPr/>
             </a:pPr>
             <a:r>
-              <a:rPr lang="en-US" dirty="0"/>
-              <a:t>Order is AL, FL, LA, TX </a:t>
+              <a:rPr lang="en-US" b="1" dirty="0"/>
+              <a:t>MADISON</a:t>
             </a:r>
           </a:p>
           <a:p>
@@ -1091,111 +1218,8 @@
               <a:tabLst/>
               <a:defRPr/>
             </a:pPr>
-            <a:r>
-              <a:rPr lang="en-US" dirty="0"/>
-              <a:t>Each graph is a hyperlink to enlarged version. </a:t>
-            </a:r>
-          </a:p>
-          <a:p>
-            <a:pPr marL="457200" marR="0" lvl="0" indent="-298450" algn="l" defTabSz="914400" rtl="0" eaLnBrk="1" fontAlgn="auto" latinLnBrk="0" hangingPunct="1">
-              <a:lnSpc>
-                <a:spcPct val="100000"/>
-              </a:lnSpc>
-              <a:spcBef>
-                <a:spcPts val="0"/>
-              </a:spcBef>
-              <a:spcAft>
-                <a:spcPts val="0"/>
-              </a:spcAft>
-              <a:buClr>
-                <a:srgbClr val="000000"/>
-              </a:buClr>
-              <a:buSzPts val="1100"/>
-              <a:buFont typeface="Arial"/>
-              <a:buChar char="●"/>
-              <a:tabLst/>
-              <a:defRPr/>
-            </a:pPr>
             <a:endParaRPr lang="en-US" dirty="0"/>
           </a:p>
-          <a:p>
-            <a:r>
-              <a:rPr lang="en-US" dirty="0"/>
-              <a:t>We had the expectation that the loss would be heavily affected by the number of storms</a:t>
-            </a:r>
-          </a:p>
-          <a:p>
-            <a:endParaRPr lang="en-US" dirty="0"/>
-          </a:p>
-          <a:p>
-            <a:r>
-              <a:rPr lang="en-US" dirty="0"/>
-              <a:t>Our Conclusion: We did not find any correlation, in fact there were years where there were many storms and the loss was very low and vice versa. </a:t>
-            </a:r>
-          </a:p>
-        </p:txBody>
-      </p:sp>
-    </p:spTree>
-    <p:extLst>
-      <p:ext uri="{BB962C8B-B14F-4D97-AF65-F5344CB8AC3E}">
-        <p14:creationId xmlns:p14="http://schemas.microsoft.com/office/powerpoint/2010/main" val="52553452"/>
-      </p:ext>
-    </p:extLst>
-  </p:cSld>
-  <p:clrMapOvr>
-    <a:masterClrMapping/>
-  </p:clrMapOvr>
-</p:notes>
-</file>
-
-<file path=ppt/notesSlides/notesSlide13.xml><?xml version="1.0" encoding="utf-8"?>
-<p:notes xmlns:a="http://schemas.openxmlformats.org/drawingml/2006/main" xmlns:r="http://schemas.openxmlformats.org/officeDocument/2006/relationships" xmlns:p="http://schemas.openxmlformats.org/presentationml/2006/main">
-  <p:cSld>
-    <p:spTree>
-      <p:nvGrpSpPr>
-        <p:cNvPr id="1" name=""/>
-        <p:cNvGrpSpPr/>
-        <p:nvPr/>
-      </p:nvGrpSpPr>
-      <p:grpSpPr>
-        <a:xfrm>
-          <a:off x="0" y="0"/>
-          <a:ext cx="0" cy="0"/>
-          <a:chOff x="0" y="0"/>
-          <a:chExt cx="0" cy="0"/>
-        </a:xfrm>
-      </p:grpSpPr>
-      <p:sp>
-        <p:nvSpPr>
-          <p:cNvPr id="2" name="Slide Image Placeholder 1"/>
-          <p:cNvSpPr>
-            <a:spLocks noGrp="1" noRot="1" noChangeAspect="1"/>
-          </p:cNvSpPr>
-          <p:nvPr>
-            <p:ph type="sldImg"/>
-          </p:nvPr>
-        </p:nvSpPr>
-        <p:spPr>
-          <a:xfrm>
-            <a:off x="381000" y="685800"/>
-            <a:ext cx="6096000" cy="3429000"/>
-          </a:xfrm>
-        </p:spPr>
-      </p:sp>
-      <p:sp>
-        <p:nvSpPr>
-          <p:cNvPr id="3" name="Notes Placeholder 2"/>
-          <p:cNvSpPr>
-            <a:spLocks noGrp="1"/>
-          </p:cNvSpPr>
-          <p:nvPr>
-            <p:ph type="body" idx="1"/>
-          </p:nvPr>
-        </p:nvSpPr>
-        <p:spPr/>
-        <p:txBody>
-          <a:bodyPr/>
-          <a:lstStyle/>
           <a:p>
             <a:pPr marL="457200" marR="0" lvl="0" indent="-298450" algn="l" defTabSz="914400" rtl="0" eaLnBrk="1" fontAlgn="auto" latinLnBrk="0" hangingPunct="1">
               <a:lnSpc>
@@ -1380,7 +1404,7 @@
 </p:notes>
 </file>
 
-<file path=ppt/notesSlides/notesSlide14.xml><?xml version="1.0" encoding="utf-8"?>
+<file path=ppt/notesSlides/notesSlide13.xml><?xml version="1.0" encoding="utf-8"?>
 <p:notes xmlns:a="http://schemas.openxmlformats.org/drawingml/2006/main" xmlns:r="http://schemas.openxmlformats.org/officeDocument/2006/relationships" xmlns:p="http://schemas.openxmlformats.org/presentationml/2006/main" showMasterSp="0" showMasterPhAnim="0">
   <p:cSld>
     <p:spTree>
@@ -1472,7 +1496,11 @@
               </a:spcAft>
               <a:buNone/>
             </a:pPr>
-            <a:endParaRPr dirty="0"/>
+            <a:r>
+              <a:rPr lang="en-US" b="1" dirty="0"/>
+              <a:t>BRANDON</a:t>
+            </a:r>
+            <a:endParaRPr b="1" dirty="0"/>
           </a:p>
         </p:txBody>
       </p:sp>
@@ -1484,7 +1512,7 @@
 </p:notes>
 </file>
 
-<file path=ppt/notesSlides/notesSlide15.xml><?xml version="1.0" encoding="utf-8"?>
+<file path=ppt/notesSlides/notesSlide14.xml><?xml version="1.0" encoding="utf-8"?>
 <p:notes xmlns:a="http://schemas.openxmlformats.org/drawingml/2006/main" xmlns:r="http://schemas.openxmlformats.org/officeDocument/2006/relationships" xmlns:p="http://schemas.openxmlformats.org/presentationml/2006/main" showMasterSp="0" showMasterPhAnim="0">
   <p:cSld>
     <p:spTree>
@@ -1577,6 +1605,45 @@
               <a:buNone/>
             </a:pPr>
             <a:r>
+              <a:rPr lang="en-US" b="1" dirty="0"/>
+              <a:t>JAMES</a:t>
+            </a:r>
+          </a:p>
+          <a:p>
+            <a:pPr marL="0" lvl="0" indent="0" algn="l" rtl="0">
+              <a:spcBef>
+                <a:spcPts val="0"/>
+              </a:spcBef>
+              <a:spcAft>
+                <a:spcPts val="0"/>
+              </a:spcAft>
+              <a:buNone/>
+            </a:pPr>
+            <a:endParaRPr lang="en-US" dirty="0"/>
+          </a:p>
+          <a:p>
+            <a:pPr marL="0" lvl="0" indent="0" algn="l" rtl="0">
+              <a:spcBef>
+                <a:spcPts val="0"/>
+              </a:spcBef>
+              <a:spcAft>
+                <a:spcPts val="0"/>
+              </a:spcAft>
+              <a:buNone/>
+            </a:pPr>
+            <a:endParaRPr lang="en-US" dirty="0"/>
+          </a:p>
+          <a:p>
+            <a:pPr marL="0" lvl="0" indent="0" algn="l" rtl="0">
+              <a:spcBef>
+                <a:spcPts val="0"/>
+              </a:spcBef>
+              <a:spcAft>
+                <a:spcPts val="0"/>
+              </a:spcAft>
+              <a:buNone/>
+            </a:pPr>
+            <a:r>
               <a:rPr lang="en-US" dirty="0"/>
               <a:t>Where are we going from here?</a:t>
             </a:r>
@@ -1688,114 +1755,6 @@
 </file>
 
 <file path=ppt/notesSlides/notesSlide2.xml><?xml version="1.0" encoding="utf-8"?>
-<p:notes xmlns:a="http://schemas.openxmlformats.org/drawingml/2006/main" xmlns:r="http://schemas.openxmlformats.org/officeDocument/2006/relationships" xmlns:p="http://schemas.openxmlformats.org/presentationml/2006/main" showMasterSp="0" showMasterPhAnim="0">
-  <p:cSld>
-    <p:spTree>
-      <p:nvGrpSpPr>
-        <p:cNvPr id="1" name="Shape 136"/>
-        <p:cNvGrpSpPr/>
-        <p:nvPr/>
-      </p:nvGrpSpPr>
-      <p:grpSpPr>
-        <a:xfrm>
-          <a:off x="0" y="0"/>
-          <a:ext cx="0" cy="0"/>
-          <a:chOff x="0" y="0"/>
-          <a:chExt cx="0" cy="0"/>
-        </a:xfrm>
-      </p:grpSpPr>
-      <p:sp>
-        <p:nvSpPr>
-          <p:cNvPr id="137" name="Google Shape;137;g43dbebae3d_0_687:notes"/>
-          <p:cNvSpPr>
-            <a:spLocks noGrp="1" noRot="1" noChangeAspect="1"/>
-          </p:cNvSpPr>
-          <p:nvPr>
-            <p:ph type="sldImg" idx="2"/>
-          </p:nvPr>
-        </p:nvSpPr>
-        <p:spPr>
-          <a:xfrm>
-            <a:off x="381000" y="685800"/>
-            <a:ext cx="6096000" cy="3429000"/>
-          </a:xfrm>
-          <a:custGeom>
-            <a:avLst/>
-            <a:gdLst/>
-            <a:ahLst/>
-            <a:cxnLst/>
-            <a:rect l="l" t="t" r="r" b="b"/>
-            <a:pathLst>
-              <a:path w="120000" h="120000" extrusionOk="0">
-                <a:moveTo>
-                  <a:pt x="0" y="0"/>
-                </a:moveTo>
-                <a:lnTo>
-                  <a:pt x="120000" y="0"/>
-                </a:lnTo>
-                <a:lnTo>
-                  <a:pt x="120000" y="120000"/>
-                </a:lnTo>
-                <a:lnTo>
-                  <a:pt x="0" y="120000"/>
-                </a:lnTo>
-                <a:close/>
-              </a:path>
-            </a:pathLst>
-          </a:custGeom>
-        </p:spPr>
-      </p:sp>
-      <p:sp>
-        <p:nvSpPr>
-          <p:cNvPr id="138" name="Google Shape;138;g43dbebae3d_0_687:notes"/>
-          <p:cNvSpPr txBox="1">
-            <a:spLocks noGrp="1"/>
-          </p:cNvSpPr>
-          <p:nvPr>
-            <p:ph type="body" idx="1"/>
-          </p:nvPr>
-        </p:nvSpPr>
-        <p:spPr>
-          <a:xfrm>
-            <a:off x="685800" y="4343400"/>
-            <a:ext cx="5486400" cy="4114800"/>
-          </a:xfrm>
-          <a:prstGeom prst="rect">
-            <a:avLst/>
-          </a:prstGeom>
-        </p:spPr>
-        <p:txBody>
-          <a:bodyPr spcFirstLastPara="1" wrap="square" lIns="91425" tIns="91425" rIns="91425" bIns="91425" anchor="t" anchorCtr="0">
-            <a:noAutofit/>
-          </a:bodyPr>
-          <a:lstStyle/>
-          <a:p>
-            <a:pPr marL="0" lvl="0" indent="0" algn="l" rtl="0">
-              <a:spcBef>
-                <a:spcPts val="0"/>
-              </a:spcBef>
-              <a:spcAft>
-                <a:spcPts val="0"/>
-              </a:spcAft>
-              <a:buNone/>
-            </a:pPr>
-            <a:r>
-              <a:rPr lang="en-US" dirty="0"/>
-              <a:t>DELETE SLIDE</a:t>
-            </a:r>
-            <a:endParaRPr dirty="0"/>
-          </a:p>
-        </p:txBody>
-      </p:sp>
-    </p:spTree>
-  </p:cSld>
-  <p:clrMapOvr>
-    <a:masterClrMapping/>
-  </p:clrMapOvr>
-</p:notes>
-</file>
-
-<file path=ppt/notesSlides/notesSlide3.xml><?xml version="1.0" encoding="utf-8"?>
 <p:notes xmlns:a="http://schemas.openxmlformats.org/drawingml/2006/main" xmlns:r="http://schemas.openxmlformats.org/officeDocument/2006/relationships" xmlns:p="http://schemas.openxmlformats.org/presentationml/2006/main" showMasterSp="0" showMasterPhAnim="0">
   <p:cSld>
     <p:spTree>
@@ -1888,6 +1847,33 @@
               <a:buNone/>
             </a:pPr>
             <a:r>
+              <a:rPr lang="en-US" b="1" dirty="0"/>
+              <a:t>BRANDON</a:t>
+            </a:r>
+          </a:p>
+          <a:p>
+            <a:pPr marL="0" lvl="0" indent="0" algn="l" rtl="0">
+              <a:spcBef>
+                <a:spcPts val="0"/>
+              </a:spcBef>
+              <a:spcAft>
+                <a:spcPts val="0"/>
+              </a:spcAft>
+              <a:buNone/>
+            </a:pPr>
+            <a:endParaRPr lang="en-US" dirty="0"/>
+          </a:p>
+          <a:p>
+            <a:pPr marL="0" lvl="0" indent="0" algn="l" rtl="0">
+              <a:spcBef>
+                <a:spcPts val="0"/>
+              </a:spcBef>
+              <a:spcAft>
+                <a:spcPts val="0"/>
+              </a:spcAft>
+              <a:buNone/>
+            </a:pPr>
+            <a:r>
               <a:rPr lang="en-US" dirty="0"/>
               <a:t>This question led to our formal hypothesis...</a:t>
             </a:r>
@@ -1903,7 +1889,7 @@
 </p:notes>
 </file>
 
-<file path=ppt/notesSlides/notesSlide4.xml><?xml version="1.0" encoding="utf-8"?>
+<file path=ppt/notesSlides/notesSlide3.xml><?xml version="1.0" encoding="utf-8"?>
 <p:notes xmlns:a="http://schemas.openxmlformats.org/drawingml/2006/main" xmlns:r="http://schemas.openxmlformats.org/officeDocument/2006/relationships" xmlns:p="http://schemas.openxmlformats.org/presentationml/2006/main" showMasterSp="0" showMasterPhAnim="0">
   <p:cSld>
     <p:spTree>
@@ -1995,6 +1981,43 @@
               </a:spcAft>
             </a:pPr>
             <a:r>
+              <a:rPr lang="en-US" b="1" dirty="0"/>
+              <a:t>BRANDON</a:t>
+            </a:r>
+            <a:endParaRPr lang="en-US" sz="1100" b="1" dirty="0"/>
+          </a:p>
+          <a:p>
+            <a:pPr marL="171450" lvl="0" indent="-171450" algn="l" rtl="0">
+              <a:spcBef>
+                <a:spcPts val="0"/>
+              </a:spcBef>
+              <a:spcAft>
+                <a:spcPts val="0"/>
+              </a:spcAft>
+            </a:pPr>
+            <a:endParaRPr lang="en-US" sz="1100" dirty="0"/>
+          </a:p>
+          <a:p>
+            <a:pPr marL="171450" lvl="0" indent="-171450" algn="l" rtl="0">
+              <a:spcBef>
+                <a:spcPts val="0"/>
+              </a:spcBef>
+              <a:spcAft>
+                <a:spcPts val="0"/>
+              </a:spcAft>
+            </a:pPr>
+            <a:endParaRPr lang="en-US" sz="1100" dirty="0"/>
+          </a:p>
+          <a:p>
+            <a:pPr marL="171450" lvl="0" indent="-171450" algn="l" rtl="0">
+              <a:spcBef>
+                <a:spcPts val="0"/>
+              </a:spcBef>
+              <a:spcAft>
+                <a:spcPts val="0"/>
+              </a:spcAft>
+            </a:pPr>
+            <a:r>
               <a:rPr lang="en-US" sz="1100" dirty="0"/>
               <a:t>Meaning there should be a correlation between loss of crops and storm frequency </a:t>
             </a:r>
@@ -2037,32 +2060,6 @@
               </a:spcAft>
             </a:pPr>
             <a:endParaRPr lang="en-US" sz="1100" dirty="0"/>
-          </a:p>
-          <a:p>
-            <a:pPr marL="171450" lvl="0" indent="-171450" algn="l" rtl="0">
-              <a:spcBef>
-                <a:spcPts val="0"/>
-              </a:spcBef>
-              <a:spcAft>
-                <a:spcPts val="0"/>
-              </a:spcAft>
-            </a:pPr>
-            <a:endParaRPr lang="en-US" sz="1100" dirty="0"/>
-          </a:p>
-          <a:p>
-            <a:pPr marL="171450" lvl="0" indent="-171450" algn="l" rtl="0">
-              <a:spcBef>
-                <a:spcPts val="0"/>
-              </a:spcBef>
-              <a:spcAft>
-                <a:spcPts val="0"/>
-              </a:spcAft>
-            </a:pPr>
-            <a:r>
-              <a:rPr lang="en-US" sz="1100" dirty="0"/>
-              <a:t>DELETE WILL</a:t>
-            </a:r>
-            <a:endParaRPr dirty="0"/>
           </a:p>
         </p:txBody>
       </p:sp>
@@ -2074,7 +2071,7 @@
 </p:notes>
 </file>
 
-<file path=ppt/notesSlides/notesSlide5.xml><?xml version="1.0" encoding="utf-8"?>
+<file path=ppt/notesSlides/notesSlide4.xml><?xml version="1.0" encoding="utf-8"?>
 <p:notes xmlns:a="http://schemas.openxmlformats.org/drawingml/2006/main" xmlns:r="http://schemas.openxmlformats.org/officeDocument/2006/relationships" xmlns:p="http://schemas.openxmlformats.org/presentationml/2006/main" showMasterSp="0" showMasterPhAnim="0">
   <p:cSld>
     <p:spTree>
@@ -2168,6 +2165,33 @@
             </a:pPr>
             <a:r>
               <a:rPr lang="en-US" b="1" dirty="0"/>
+              <a:t>BRANDON</a:t>
+            </a:r>
+          </a:p>
+          <a:p>
+            <a:pPr marL="0" lvl="0" indent="0" algn="l" rtl="0">
+              <a:spcBef>
+                <a:spcPts val="0"/>
+              </a:spcBef>
+              <a:spcAft>
+                <a:spcPts val="0"/>
+              </a:spcAft>
+              <a:buNone/>
+            </a:pPr>
+            <a:endParaRPr lang="en-US" b="1" dirty="0"/>
+          </a:p>
+          <a:p>
+            <a:pPr marL="0" lvl="0" indent="0" algn="l" rtl="0">
+              <a:spcBef>
+                <a:spcPts val="0"/>
+              </a:spcBef>
+              <a:spcAft>
+                <a:spcPts val="0"/>
+              </a:spcAft>
+              <a:buNone/>
+            </a:pPr>
+            <a:r>
+              <a:rPr lang="en-US" b="1" dirty="0"/>
               <a:t>Main Reasons we changed:</a:t>
             </a:r>
           </a:p>
@@ -2261,7 +2285,7 @@
 </p:notes>
 </file>
 
-<file path=ppt/notesSlides/notesSlide6.xml><?xml version="1.0" encoding="utf-8"?>
+<file path=ppt/notesSlides/notesSlide5.xml><?xml version="1.0" encoding="utf-8"?>
 <p:notes xmlns:a="http://schemas.openxmlformats.org/drawingml/2006/main" xmlns:r="http://schemas.openxmlformats.org/officeDocument/2006/relationships" xmlns:p="http://schemas.openxmlformats.org/presentationml/2006/main" showMasterSp="0" showMasterPhAnim="0">
   <p:cSld>
     <p:spTree>
@@ -2353,7 +2377,11 @@
               </a:spcAft>
               <a:buNone/>
             </a:pPr>
-            <a:endParaRPr dirty="0"/>
+            <a:r>
+              <a:rPr lang="en-US" b="1" dirty="0"/>
+              <a:t>JAMES</a:t>
+            </a:r>
+            <a:endParaRPr b="1" dirty="0"/>
           </a:p>
         </p:txBody>
       </p:sp>
@@ -2365,7 +2393,7 @@
 </p:notes>
 </file>
 
-<file path=ppt/notesSlides/notesSlide7.xml><?xml version="1.0" encoding="utf-8"?>
+<file path=ppt/notesSlides/notesSlide6.xml><?xml version="1.0" encoding="utf-8"?>
 <p:notes xmlns:a="http://schemas.openxmlformats.org/drawingml/2006/main" xmlns:r="http://schemas.openxmlformats.org/officeDocument/2006/relationships" xmlns:p="http://schemas.openxmlformats.org/presentationml/2006/main" showMasterSp="0" showMasterPhAnim="0">
   <p:cSld>
     <p:spTree>
@@ -2457,6 +2485,31 @@
               </a:spcAft>
             </a:pPr>
             <a:r>
+              <a:rPr lang="en-US" b="1" dirty="0"/>
+              <a:t>MADISON</a:t>
+            </a:r>
+          </a:p>
+          <a:p>
+            <a:pPr marL="171450" lvl="0" indent="-171450" algn="l" rtl="0">
+              <a:spcBef>
+                <a:spcPts val="0"/>
+              </a:spcBef>
+              <a:spcAft>
+                <a:spcPts val="0"/>
+              </a:spcAft>
+            </a:pPr>
+            <a:endParaRPr lang="en-US" dirty="0"/>
+          </a:p>
+          <a:p>
+            <a:pPr marL="171450" lvl="0" indent="-171450" algn="l" rtl="0">
+              <a:spcBef>
+                <a:spcPts val="0"/>
+              </a:spcBef>
+              <a:spcAft>
+                <a:spcPts val="0"/>
+              </a:spcAft>
+            </a:pPr>
+            <a:r>
               <a:rPr lang="en-US" dirty="0"/>
               <a:t>Middle value is the average</a:t>
             </a:r>
@@ -2547,7 +2600,7 @@
 </p:notes>
 </file>
 
-<file path=ppt/notesSlides/notesSlide8.xml><?xml version="1.0" encoding="utf-8"?>
+<file path=ppt/notesSlides/notesSlide7.xml><?xml version="1.0" encoding="utf-8"?>
 <p:notes xmlns:a="http://schemas.openxmlformats.org/drawingml/2006/main" xmlns:r="http://schemas.openxmlformats.org/officeDocument/2006/relationships" xmlns:p="http://schemas.openxmlformats.org/presentationml/2006/main" showMasterSp="0" showMasterPhAnim="0">
   <p:cSld>
     <p:spTree>
@@ -2655,6 +2708,90 @@
 </p:notes>
 </file>
 
+<file path=ppt/notesSlides/notesSlide8.xml><?xml version="1.0" encoding="utf-8"?>
+<p:notes xmlns:a="http://schemas.openxmlformats.org/drawingml/2006/main" xmlns:r="http://schemas.openxmlformats.org/officeDocument/2006/relationships" xmlns:p="http://schemas.openxmlformats.org/presentationml/2006/main">
+  <p:cSld>
+    <p:spTree>
+      <p:nvGrpSpPr>
+        <p:cNvPr id="1" name=""/>
+        <p:cNvGrpSpPr/>
+        <p:nvPr/>
+      </p:nvGrpSpPr>
+      <p:grpSpPr>
+        <a:xfrm>
+          <a:off x="0" y="0"/>
+          <a:ext cx="0" cy="0"/>
+          <a:chOff x="0" y="0"/>
+          <a:chExt cx="0" cy="0"/>
+        </a:xfrm>
+      </p:grpSpPr>
+      <p:sp>
+        <p:nvSpPr>
+          <p:cNvPr id="2" name="Slide Image Placeholder 1"/>
+          <p:cNvSpPr>
+            <a:spLocks noGrp="1" noRot="1" noChangeAspect="1"/>
+          </p:cNvSpPr>
+          <p:nvPr>
+            <p:ph type="sldImg"/>
+          </p:nvPr>
+        </p:nvSpPr>
+        <p:spPr>
+          <a:xfrm>
+            <a:off x="381000" y="685800"/>
+            <a:ext cx="6096000" cy="3429000"/>
+          </a:xfrm>
+        </p:spPr>
+      </p:sp>
+      <p:sp>
+        <p:nvSpPr>
+          <p:cNvPr id="3" name="Notes Placeholder 2"/>
+          <p:cNvSpPr>
+            <a:spLocks noGrp="1"/>
+          </p:cNvSpPr>
+          <p:nvPr>
+            <p:ph type="body" idx="1"/>
+          </p:nvPr>
+        </p:nvSpPr>
+        <p:spPr/>
+        <p:txBody>
+          <a:bodyPr/>
+          <a:lstStyle/>
+          <a:p>
+            <a:r>
+              <a:rPr lang="en-US" b="1" dirty="0"/>
+              <a:t>CHAD</a:t>
+            </a:r>
+          </a:p>
+          <a:p>
+            <a:endParaRPr lang="en-US" dirty="0"/>
+          </a:p>
+          <a:p>
+            <a:r>
+              <a:rPr lang="en-US" dirty="0"/>
+              <a:t>Florida is the blue. </a:t>
+            </a:r>
+          </a:p>
+          <a:p>
+            <a:r>
+              <a:rPr lang="en-US" dirty="0"/>
+              <a:t>Most other states had similar numbers with Virginia and Mississippi being the exceptions. </a:t>
+            </a:r>
+          </a:p>
+        </p:txBody>
+      </p:sp>
+    </p:spTree>
+    <p:extLst>
+      <p:ext uri="{BB962C8B-B14F-4D97-AF65-F5344CB8AC3E}">
+        <p14:creationId xmlns:p14="http://schemas.microsoft.com/office/powerpoint/2010/main" val="3909050927"/>
+      </p:ext>
+    </p:extLst>
+  </p:cSld>
+  <p:clrMapOvr>
+    <a:masterClrMapping/>
+  </p:clrMapOvr>
+</p:notes>
+</file>
+
 <file path=ppt/notesSlides/notesSlide9.xml><?xml version="1.0" encoding="utf-8"?>
 <p:notes xmlns:a="http://schemas.openxmlformats.org/drawingml/2006/main" xmlns:r="http://schemas.openxmlformats.org/officeDocument/2006/relationships" xmlns:p="http://schemas.openxmlformats.org/presentationml/2006/main">
   <p:cSld>
@@ -2705,14 +2842,30 @@
           <a:lstStyle/>
           <a:p>
             <a:r>
-              <a:rPr lang="en-US" dirty="0"/>
-              <a:t>Florida is the blue. </a:t>
+              <a:rPr lang="en-US" b="1" dirty="0"/>
+              <a:t>CHAD</a:t>
             </a:r>
+            <a:endParaRPr lang="en-US" dirty="0"/>
+          </a:p>
+          <a:p>
+            <a:endParaRPr lang="en-US" dirty="0"/>
           </a:p>
           <a:p>
             <a:r>
               <a:rPr lang="en-US" dirty="0"/>
-              <a:t>Most other states had similar numbers with Virginia and Mississippi being the exceptions. </a:t>
+              <a:t>This shows the number of storms that hit each state by year. </a:t>
+            </a:r>
+          </a:p>
+          <a:p>
+            <a:r>
+              <a:rPr lang="en-US" dirty="0"/>
+              <a:t>Consistently Florida receives several storms per year. </a:t>
+            </a:r>
+          </a:p>
+          <a:p>
+            <a:r>
+              <a:rPr lang="en-US" dirty="0"/>
+              <a:t>Meanwhile states like Virginia are barely on this graph.</a:t>
             </a:r>
           </a:p>
         </p:txBody>
@@ -2720,7 +2873,7 @@
     </p:spTree>
     <p:extLst>
       <p:ext uri="{BB962C8B-B14F-4D97-AF65-F5344CB8AC3E}">
-        <p14:creationId xmlns:p14="http://schemas.microsoft.com/office/powerpoint/2010/main" val="3909050927"/>
+        <p14:creationId xmlns:p14="http://schemas.microsoft.com/office/powerpoint/2010/main" val="3496359928"/>
       </p:ext>
     </p:extLst>
   </p:cSld>
@@ -10955,98 +11108,6 @@
           <p:cNvPr id="2" name="Title 1">
             <a:extLst>
               <a:ext uri="{FF2B5EF4-FFF2-40B4-BE49-F238E27FC236}">
-                <a16:creationId xmlns:a16="http://schemas.microsoft.com/office/drawing/2014/main" id="{07D1597C-B898-8346-AF7C-97FDFCC031ED}"/>
-              </a:ext>
-            </a:extLst>
-          </p:cNvPr>
-          <p:cNvSpPr>
-            <a:spLocks noGrp="1"/>
-          </p:cNvSpPr>
-          <p:nvPr>
-            <p:ph type="title"/>
-          </p:nvPr>
-        </p:nvSpPr>
-        <p:spPr>
-          <a:xfrm>
-            <a:off x="1297499" y="393750"/>
-            <a:ext cx="7295171" cy="914100"/>
-          </a:xfrm>
-        </p:spPr>
-        <p:txBody>
-          <a:bodyPr/>
-          <a:lstStyle/>
-          <a:p>
-            <a:r>
-              <a:rPr lang="en-US" dirty="0"/>
-              <a:t>Number of storms by year</a:t>
-            </a:r>
-          </a:p>
-        </p:txBody>
-      </p:sp>
-      <p:pic>
-        <p:nvPicPr>
-          <p:cNvPr id="7" name="Picture 6">
-            <a:extLst>
-              <a:ext uri="{FF2B5EF4-FFF2-40B4-BE49-F238E27FC236}">
-                <a16:creationId xmlns:a16="http://schemas.microsoft.com/office/drawing/2014/main" id="{727FCF38-A9F7-3442-9664-18ECAFFE9113}"/>
-              </a:ext>
-            </a:extLst>
-          </p:cNvPr>
-          <p:cNvPicPr>
-            <a:picLocks noChangeAspect="1"/>
-          </p:cNvPicPr>
-          <p:nvPr/>
-        </p:nvPicPr>
-        <p:blipFill rotWithShape="1">
-          <a:blip r:embed="rId3"/>
-          <a:srcRect l="1470" r="3310"/>
-          <a:stretch/>
-        </p:blipFill>
-        <p:spPr>
-          <a:xfrm>
-            <a:off x="218515" y="1549939"/>
-            <a:ext cx="8706971" cy="2877339"/>
-          </a:xfrm>
-          <a:prstGeom prst="rect">
-            <a:avLst/>
-          </a:prstGeom>
-        </p:spPr>
-      </p:pic>
-    </p:spTree>
-    <p:extLst>
-      <p:ext uri="{BB962C8B-B14F-4D97-AF65-F5344CB8AC3E}">
-        <p14:creationId xmlns:p14="http://schemas.microsoft.com/office/powerpoint/2010/main" val="4161768938"/>
-      </p:ext>
-    </p:extLst>
-  </p:cSld>
-  <p:clrMapOvr>
-    <a:masterClrMapping/>
-  </p:clrMapOvr>
-</p:sld>
-</file>
-
-<file path=ppt/slides/slide11.xml><?xml version="1.0" encoding="utf-8"?>
-<p:sld xmlns:a="http://schemas.openxmlformats.org/drawingml/2006/main" xmlns:r="http://schemas.openxmlformats.org/officeDocument/2006/relationships" xmlns:p="http://schemas.openxmlformats.org/presentationml/2006/main">
-  <p:cSld>
-    <p:spTree>
-      <p:nvGrpSpPr>
-        <p:cNvPr id="1" name=""/>
-        <p:cNvGrpSpPr/>
-        <p:nvPr/>
-      </p:nvGrpSpPr>
-      <p:grpSpPr>
-        <a:xfrm>
-          <a:off x="0" y="0"/>
-          <a:ext cx="0" cy="0"/>
-          <a:chOff x="0" y="0"/>
-          <a:chExt cx="0" cy="0"/>
-        </a:xfrm>
-      </p:grpSpPr>
-      <p:sp>
-        <p:nvSpPr>
-          <p:cNvPr id="2" name="Title 1">
-            <a:extLst>
-              <a:ext uri="{FF2B5EF4-FFF2-40B4-BE49-F238E27FC236}">
                 <a16:creationId xmlns:a16="http://schemas.microsoft.com/office/drawing/2014/main" id="{B3337604-0954-8645-AA17-48D74C2B87C1}"/>
               </a:ext>
             </a:extLst>
@@ -11147,7 +11208,7 @@
 </p:sld>
 </file>
 
-<file path=ppt/slides/slide12.xml><?xml version="1.0" encoding="utf-8"?>
+<file path=ppt/slides/slide11.xml><?xml version="1.0" encoding="utf-8"?>
 <p:sld xmlns:a="http://schemas.openxmlformats.org/drawingml/2006/main" xmlns:r="http://schemas.openxmlformats.org/officeDocument/2006/relationships" xmlns:p="http://schemas.openxmlformats.org/presentationml/2006/main">
   <p:cSld>
     <p:spTree>
@@ -11329,7 +11390,7 @@
 </p:sld>
 </file>
 
-<file path=ppt/slides/slide13.xml><?xml version="1.0" encoding="utf-8"?>
+<file path=ppt/slides/slide12.xml><?xml version="1.0" encoding="utf-8"?>
 <p:sld xmlns:a="http://schemas.openxmlformats.org/drawingml/2006/main" xmlns:r="http://schemas.openxmlformats.org/officeDocument/2006/relationships" xmlns:p="http://schemas.openxmlformats.org/presentationml/2006/main">
   <p:cSld>
     <p:spTree>
@@ -11516,7 +11577,7 @@
 </p:sld>
 </file>
 
-<file path=ppt/slides/slide14.xml><?xml version="1.0" encoding="utf-8"?>
+<file path=ppt/slides/slide13.xml><?xml version="1.0" encoding="utf-8"?>
 <p:sld xmlns:a="http://schemas.openxmlformats.org/drawingml/2006/main" xmlns:r="http://schemas.openxmlformats.org/officeDocument/2006/relationships" xmlns:p="http://schemas.openxmlformats.org/presentationml/2006/main">
   <p:cSld>
     <p:spTree>
@@ -11625,7 +11686,7 @@
 </p:sld>
 </file>
 
-<file path=ppt/slides/slide15.xml><?xml version="1.0" encoding="utf-8"?>
+<file path=ppt/slides/slide14.xml><?xml version="1.0" encoding="utf-8"?>
 <p:sld xmlns:a="http://schemas.openxmlformats.org/drawingml/2006/main" xmlns:r="http://schemas.openxmlformats.org/officeDocument/2006/relationships" xmlns:p="http://schemas.openxmlformats.org/presentationml/2006/main">
   <p:cSld>
     <p:spTree>
@@ -11762,7 +11823,7 @@
 </p:sld>
 </file>
 
-<file path=ppt/slides/slide16.xml><?xml version="1.0" encoding="utf-8"?>
+<file path=ppt/slides/slide15.xml><?xml version="1.0" encoding="utf-8"?>
 <p:sld xmlns:a="http://schemas.openxmlformats.org/drawingml/2006/main" xmlns:r="http://schemas.openxmlformats.org/officeDocument/2006/relationships" xmlns:p="http://schemas.openxmlformats.org/presentationml/2006/main">
   <p:cSld>
     <p:spTree>
@@ -11826,7 +11887,7 @@
 </p:sld>
 </file>
 
-<file path=ppt/slides/slide17.xml><?xml version="1.0" encoding="utf-8"?>
+<file path=ppt/slides/slide16.xml><?xml version="1.0" encoding="utf-8"?>
 <p:sld xmlns:a="http://schemas.openxmlformats.org/drawingml/2006/main" xmlns:r="http://schemas.openxmlformats.org/officeDocument/2006/relationships" xmlns:p="http://schemas.openxmlformats.org/presentationml/2006/main">
   <p:cSld>
     <p:spTree>
@@ -11914,7 +11975,7 @@
 </p:sld>
 </file>
 
-<file path=ppt/slides/slide18.xml><?xml version="1.0" encoding="utf-8"?>
+<file path=ppt/slides/slide17.xml><?xml version="1.0" encoding="utf-8"?>
 <p:sld xmlns:a="http://schemas.openxmlformats.org/drawingml/2006/main" xmlns:r="http://schemas.openxmlformats.org/officeDocument/2006/relationships" xmlns:p="http://schemas.openxmlformats.org/presentationml/2006/main">
   <p:cSld>
     <p:spTree>
@@ -12002,7 +12063,7 @@
 </p:sld>
 </file>
 
-<file path=ppt/slides/slide19.xml><?xml version="1.0" encoding="utf-8"?>
+<file path=ppt/slides/slide18.xml><?xml version="1.0" encoding="utf-8"?>
 <p:sld xmlns:a="http://schemas.openxmlformats.org/drawingml/2006/main" xmlns:r="http://schemas.openxmlformats.org/officeDocument/2006/relationships" xmlns:p="http://schemas.openxmlformats.org/presentationml/2006/main">
   <p:cSld>
     <p:spTree>
@@ -12090,253 +12151,7 @@
 </p:sld>
 </file>
 
-<file path=ppt/slides/slide2.xml><?xml version="1.0" encoding="utf-8"?>
-<p:sld xmlns:a="http://schemas.openxmlformats.org/drawingml/2006/main" xmlns:r="http://schemas.openxmlformats.org/officeDocument/2006/relationships" xmlns:p="http://schemas.openxmlformats.org/presentationml/2006/main">
-  <p:cSld>
-    <p:spTree>
-      <p:nvGrpSpPr>
-        <p:cNvPr id="1" name="Shape 139"/>
-        <p:cNvGrpSpPr/>
-        <p:nvPr/>
-      </p:nvGrpSpPr>
-      <p:grpSpPr>
-        <a:xfrm>
-          <a:off x="0" y="0"/>
-          <a:ext cx="0" cy="0"/>
-          <a:chOff x="0" y="0"/>
-          <a:chExt cx="0" cy="0"/>
-        </a:xfrm>
-      </p:grpSpPr>
-      <p:sp>
-        <p:nvSpPr>
-          <p:cNvPr id="140" name="Google Shape;140;p14"/>
-          <p:cNvSpPr txBox="1">
-            <a:spLocks noGrp="1"/>
-          </p:cNvSpPr>
-          <p:nvPr>
-            <p:ph type="title"/>
-          </p:nvPr>
-        </p:nvSpPr>
-        <p:spPr>
-          <a:xfrm>
-            <a:off x="1297500" y="393750"/>
-            <a:ext cx="7038900" cy="914100"/>
-          </a:xfrm>
-          <a:prstGeom prst="rect">
-            <a:avLst/>
-          </a:prstGeom>
-        </p:spPr>
-        <p:txBody>
-          <a:bodyPr spcFirstLastPara="1" wrap="square" lIns="91425" tIns="91425" rIns="91425" bIns="91425" anchor="t" anchorCtr="0">
-            <a:noAutofit/>
-          </a:bodyPr>
-          <a:lstStyle/>
-          <a:p>
-            <a:pPr marL="0" lvl="0" indent="0" algn="l" rtl="0">
-              <a:spcBef>
-                <a:spcPts val="0"/>
-              </a:spcBef>
-              <a:spcAft>
-                <a:spcPts val="0"/>
-              </a:spcAft>
-              <a:buNone/>
-            </a:pPr>
-            <a:r>
-              <a:rPr lang="en"/>
-              <a:t>Presentation Outline</a:t>
-            </a:r>
-            <a:endParaRPr/>
-          </a:p>
-        </p:txBody>
-      </p:sp>
-      <p:sp>
-        <p:nvSpPr>
-          <p:cNvPr id="141" name="Google Shape;141;p14"/>
-          <p:cNvSpPr txBox="1">
-            <a:spLocks noGrp="1"/>
-          </p:cNvSpPr>
-          <p:nvPr>
-            <p:ph type="body" idx="1"/>
-          </p:nvPr>
-        </p:nvSpPr>
-        <p:spPr>
-          <a:xfrm>
-            <a:off x="1297500" y="1567550"/>
-            <a:ext cx="7038900" cy="2911200"/>
-          </a:xfrm>
-          <a:prstGeom prst="rect">
-            <a:avLst/>
-          </a:prstGeom>
-        </p:spPr>
-        <p:txBody>
-          <a:bodyPr spcFirstLastPara="1" wrap="square" lIns="91425" tIns="91425" rIns="91425" bIns="91425" anchor="t" anchorCtr="0">
-            <a:noAutofit/>
-          </a:bodyPr>
-          <a:lstStyle/>
-          <a:p>
-            <a:pPr marL="457200" lvl="0" indent="-342900" algn="l" rtl="0">
-              <a:spcBef>
-                <a:spcPts val="0"/>
-              </a:spcBef>
-              <a:spcAft>
-                <a:spcPts val="0"/>
-              </a:spcAft>
-              <a:buSzPts val="1800"/>
-              <a:buChar char="-"/>
-            </a:pPr>
-            <a:r>
-              <a:rPr lang="en" sz="1800"/>
-              <a:t>Research Question</a:t>
-            </a:r>
-            <a:endParaRPr sz="1800"/>
-          </a:p>
-          <a:p>
-            <a:pPr marL="457200" lvl="0" indent="-342900" algn="l" rtl="0">
-              <a:spcBef>
-                <a:spcPts val="0"/>
-              </a:spcBef>
-              <a:spcAft>
-                <a:spcPts val="0"/>
-              </a:spcAft>
-              <a:buSzPts val="1800"/>
-              <a:buChar char="-"/>
-            </a:pPr>
-            <a:r>
-              <a:rPr lang="en" sz="1800"/>
-              <a:t>Initial Hypothesis</a:t>
-            </a:r>
-            <a:endParaRPr sz="1800"/>
-          </a:p>
-          <a:p>
-            <a:pPr marL="457200" lvl="0" indent="-342900" algn="l" rtl="0">
-              <a:spcBef>
-                <a:spcPts val="0"/>
-              </a:spcBef>
-              <a:spcAft>
-                <a:spcPts val="0"/>
-              </a:spcAft>
-              <a:buSzPts val="1800"/>
-              <a:buChar char="-"/>
-            </a:pPr>
-            <a:r>
-              <a:rPr lang="en" sz="1800"/>
-              <a:t>How we got here</a:t>
-            </a:r>
-            <a:endParaRPr sz="1800"/>
-          </a:p>
-          <a:p>
-            <a:pPr marL="457200" lvl="0" indent="-342900" algn="l" rtl="0">
-              <a:spcBef>
-                <a:spcPts val="0"/>
-              </a:spcBef>
-              <a:spcAft>
-                <a:spcPts val="0"/>
-              </a:spcAft>
-              <a:buSzPts val="1800"/>
-              <a:buChar char="-"/>
-            </a:pPr>
-            <a:r>
-              <a:rPr lang="en" sz="1800"/>
-              <a:t>Why we changed</a:t>
-            </a:r>
-            <a:endParaRPr sz="1800"/>
-          </a:p>
-          <a:p>
-            <a:pPr marL="457200" lvl="0" indent="-342900" algn="l" rtl="0">
-              <a:spcBef>
-                <a:spcPts val="0"/>
-              </a:spcBef>
-              <a:spcAft>
-                <a:spcPts val="0"/>
-              </a:spcAft>
-              <a:buSzPts val="1800"/>
-              <a:buChar char="-"/>
-            </a:pPr>
-            <a:r>
-              <a:rPr lang="en" sz="1800"/>
-              <a:t>Our data sources</a:t>
-            </a:r>
-            <a:endParaRPr sz="1800"/>
-          </a:p>
-          <a:p>
-            <a:pPr marL="457200" lvl="0" indent="-342900" algn="l" rtl="0">
-              <a:spcBef>
-                <a:spcPts val="0"/>
-              </a:spcBef>
-              <a:spcAft>
-                <a:spcPts val="0"/>
-              </a:spcAft>
-              <a:buSzPts val="1800"/>
-              <a:buChar char="-"/>
-            </a:pPr>
-            <a:r>
-              <a:rPr lang="en" sz="1800"/>
-              <a:t>Our data quality</a:t>
-            </a:r>
-            <a:endParaRPr sz="1800"/>
-          </a:p>
-          <a:p>
-            <a:pPr marL="457200" lvl="0" indent="-342900" algn="l" rtl="0">
-              <a:spcBef>
-                <a:spcPts val="0"/>
-              </a:spcBef>
-              <a:spcAft>
-                <a:spcPts val="0"/>
-              </a:spcAft>
-              <a:buSzPts val="1800"/>
-              <a:buChar char="-"/>
-            </a:pPr>
-            <a:r>
-              <a:rPr lang="en" sz="1800"/>
-              <a:t>What we derived from the data</a:t>
-            </a:r>
-            <a:endParaRPr sz="1800"/>
-          </a:p>
-          <a:p>
-            <a:pPr marL="457200" lvl="0" indent="-342900" algn="l" rtl="0">
-              <a:spcBef>
-                <a:spcPts val="0"/>
-              </a:spcBef>
-              <a:spcAft>
-                <a:spcPts val="0"/>
-              </a:spcAft>
-              <a:buSzPts val="1800"/>
-              <a:buChar char="-"/>
-            </a:pPr>
-            <a:r>
-              <a:rPr lang="en" sz="1800"/>
-              <a:t>Next steps</a:t>
-            </a:r>
-            <a:endParaRPr sz="1800"/>
-          </a:p>
-          <a:p>
-            <a:pPr marL="457200" lvl="0" indent="-342900" algn="l" rtl="0">
-              <a:spcBef>
-                <a:spcPts val="0"/>
-              </a:spcBef>
-              <a:spcAft>
-                <a:spcPts val="0"/>
-              </a:spcAft>
-              <a:buSzPts val="1800"/>
-              <a:buChar char="-"/>
-            </a:pPr>
-            <a:r>
-              <a:rPr lang="en" sz="1800"/>
-              <a:t>New hypothesis</a:t>
-            </a:r>
-            <a:endParaRPr sz="1800"/>
-          </a:p>
-        </p:txBody>
-      </p:sp>
-    </p:spTree>
-  </p:cSld>
-  <p:clrMapOvr>
-    <a:masterClrMapping/>
-  </p:clrMapOvr>
-</p:sld>
-</file>
-
-<file path=ppt/slides/slide20.xml><?xml version="1.0" encoding="utf-8"?>
+<file path=ppt/slides/slide19.xml><?xml version="1.0" encoding="utf-8"?>
 <p:sld xmlns:a="http://schemas.openxmlformats.org/drawingml/2006/main" xmlns:r="http://schemas.openxmlformats.org/officeDocument/2006/relationships" xmlns:p="http://schemas.openxmlformats.org/presentationml/2006/main">
   <p:cSld>
     <p:spTree>
@@ -12424,7 +12239,116 @@
 </p:sld>
 </file>
 
-<file path=ppt/slides/slide21.xml><?xml version="1.0" encoding="utf-8"?>
+<file path=ppt/slides/slide2.xml><?xml version="1.0" encoding="utf-8"?>
+<p:sld xmlns:a="http://schemas.openxmlformats.org/drawingml/2006/main" xmlns:r="http://schemas.openxmlformats.org/officeDocument/2006/relationships" xmlns:p="http://schemas.openxmlformats.org/presentationml/2006/main">
+  <p:cSld>
+    <p:spTree>
+      <p:nvGrpSpPr>
+        <p:cNvPr id="1" name="Shape 145"/>
+        <p:cNvGrpSpPr/>
+        <p:nvPr/>
+      </p:nvGrpSpPr>
+      <p:grpSpPr>
+        <a:xfrm>
+          <a:off x="0" y="0"/>
+          <a:ext cx="0" cy="0"/>
+          <a:chOff x="0" y="0"/>
+          <a:chExt cx="0" cy="0"/>
+        </a:xfrm>
+      </p:grpSpPr>
+      <p:sp>
+        <p:nvSpPr>
+          <p:cNvPr id="146" name="Google Shape;146;p15"/>
+          <p:cNvSpPr txBox="1">
+            <a:spLocks noGrp="1"/>
+          </p:cNvSpPr>
+          <p:nvPr>
+            <p:ph type="title"/>
+          </p:nvPr>
+        </p:nvSpPr>
+        <p:spPr>
+          <a:xfrm>
+            <a:off x="1297500" y="393750"/>
+            <a:ext cx="7038900" cy="914100"/>
+          </a:xfrm>
+          <a:prstGeom prst="rect">
+            <a:avLst/>
+          </a:prstGeom>
+        </p:spPr>
+        <p:txBody>
+          <a:bodyPr spcFirstLastPara="1" wrap="square" lIns="91425" tIns="91425" rIns="91425" bIns="91425" anchor="t" anchorCtr="0">
+            <a:noAutofit/>
+          </a:bodyPr>
+          <a:lstStyle/>
+          <a:p>
+            <a:pPr marL="0" lvl="0" indent="0" algn="l" rtl="0">
+              <a:spcBef>
+                <a:spcPts val="0"/>
+              </a:spcBef>
+              <a:spcAft>
+                <a:spcPts val="0"/>
+              </a:spcAft>
+              <a:buNone/>
+            </a:pPr>
+            <a:r>
+              <a:rPr lang="en"/>
+              <a:t>Research Question</a:t>
+            </a:r>
+            <a:endParaRPr/>
+          </a:p>
+        </p:txBody>
+      </p:sp>
+      <p:sp>
+        <p:nvSpPr>
+          <p:cNvPr id="147" name="Google Shape;147;p15"/>
+          <p:cNvSpPr txBox="1">
+            <a:spLocks noGrp="1"/>
+          </p:cNvSpPr>
+          <p:nvPr>
+            <p:ph type="body" idx="1"/>
+          </p:nvPr>
+        </p:nvSpPr>
+        <p:spPr>
+          <a:xfrm>
+            <a:off x="1052550" y="1116150"/>
+            <a:ext cx="7038900" cy="2911200"/>
+          </a:xfrm>
+          <a:prstGeom prst="rect">
+            <a:avLst/>
+          </a:prstGeom>
+        </p:spPr>
+        <p:txBody>
+          <a:bodyPr spcFirstLastPara="1" wrap="square" lIns="91425" tIns="91425" rIns="91425" bIns="91425" anchor="ctr" anchorCtr="0">
+            <a:noAutofit/>
+          </a:bodyPr>
+          <a:lstStyle/>
+          <a:p>
+            <a:pPr marL="0" lvl="0" indent="0" algn="ctr" rtl="0">
+              <a:spcBef>
+                <a:spcPts val="0"/>
+              </a:spcBef>
+              <a:spcAft>
+                <a:spcPts val="1600"/>
+              </a:spcAft>
+              <a:buNone/>
+            </a:pPr>
+            <a:r>
+              <a:rPr lang="en" sz="3000" dirty="0"/>
+              <a:t>Do major storms have an effect on crop yield?</a:t>
+            </a:r>
+            <a:endParaRPr sz="3000" dirty="0"/>
+          </a:p>
+        </p:txBody>
+      </p:sp>
+    </p:spTree>
+  </p:cSld>
+  <p:clrMapOvr>
+    <a:masterClrMapping/>
+  </p:clrMapOvr>
+</p:sld>
+</file>
+
+<file path=ppt/slides/slide20.xml><?xml version="1.0" encoding="utf-8"?>
 <p:sld xmlns:a="http://schemas.openxmlformats.org/drawingml/2006/main" xmlns:r="http://schemas.openxmlformats.org/officeDocument/2006/relationships" xmlns:p="http://schemas.openxmlformats.org/presentationml/2006/main">
   <p:cSld>
     <p:spTree>
@@ -12512,7 +12436,7 @@
 </p:sld>
 </file>
 
-<file path=ppt/slides/slide22.xml><?xml version="1.0" encoding="utf-8"?>
+<file path=ppt/slides/slide21.xml><?xml version="1.0" encoding="utf-8"?>
 <p:sld xmlns:a="http://schemas.openxmlformats.org/drawingml/2006/main" xmlns:r="http://schemas.openxmlformats.org/officeDocument/2006/relationships" xmlns:p="http://schemas.openxmlformats.org/presentationml/2006/main">
   <p:cSld>
     <p:spTree>
@@ -12600,7 +12524,7 @@
 </p:sld>
 </file>
 
-<file path=ppt/slides/slide23.xml><?xml version="1.0" encoding="utf-8"?>
+<file path=ppt/slides/slide22.xml><?xml version="1.0" encoding="utf-8"?>
 <p:sld xmlns:a="http://schemas.openxmlformats.org/drawingml/2006/main" xmlns:r="http://schemas.openxmlformats.org/officeDocument/2006/relationships" xmlns:p="http://schemas.openxmlformats.org/presentationml/2006/main">
   <p:cSld>
     <p:spTree>
@@ -12688,7 +12612,7 @@
 </p:sld>
 </file>
 
-<file path=ppt/slides/slide24.xml><?xml version="1.0" encoding="utf-8"?>
+<file path=ppt/slides/slide23.xml><?xml version="1.0" encoding="utf-8"?>
 <p:sld xmlns:a="http://schemas.openxmlformats.org/drawingml/2006/main" xmlns:r="http://schemas.openxmlformats.org/officeDocument/2006/relationships" xmlns:p="http://schemas.openxmlformats.org/presentationml/2006/main">
   <p:cSld>
     <p:spTree>
@@ -12781,115 +12705,6 @@
   <p:cSld>
     <p:spTree>
       <p:nvGrpSpPr>
-        <p:cNvPr id="1" name="Shape 145"/>
-        <p:cNvGrpSpPr/>
-        <p:nvPr/>
-      </p:nvGrpSpPr>
-      <p:grpSpPr>
-        <a:xfrm>
-          <a:off x="0" y="0"/>
-          <a:ext cx="0" cy="0"/>
-          <a:chOff x="0" y="0"/>
-          <a:chExt cx="0" cy="0"/>
-        </a:xfrm>
-      </p:grpSpPr>
-      <p:sp>
-        <p:nvSpPr>
-          <p:cNvPr id="146" name="Google Shape;146;p15"/>
-          <p:cNvSpPr txBox="1">
-            <a:spLocks noGrp="1"/>
-          </p:cNvSpPr>
-          <p:nvPr>
-            <p:ph type="title"/>
-          </p:nvPr>
-        </p:nvSpPr>
-        <p:spPr>
-          <a:xfrm>
-            <a:off x="1297500" y="393750"/>
-            <a:ext cx="7038900" cy="914100"/>
-          </a:xfrm>
-          <a:prstGeom prst="rect">
-            <a:avLst/>
-          </a:prstGeom>
-        </p:spPr>
-        <p:txBody>
-          <a:bodyPr spcFirstLastPara="1" wrap="square" lIns="91425" tIns="91425" rIns="91425" bIns="91425" anchor="t" anchorCtr="0">
-            <a:noAutofit/>
-          </a:bodyPr>
-          <a:lstStyle/>
-          <a:p>
-            <a:pPr marL="0" lvl="0" indent="0" algn="l" rtl="0">
-              <a:spcBef>
-                <a:spcPts val="0"/>
-              </a:spcBef>
-              <a:spcAft>
-                <a:spcPts val="0"/>
-              </a:spcAft>
-              <a:buNone/>
-            </a:pPr>
-            <a:r>
-              <a:rPr lang="en"/>
-              <a:t>Research Question</a:t>
-            </a:r>
-            <a:endParaRPr/>
-          </a:p>
-        </p:txBody>
-      </p:sp>
-      <p:sp>
-        <p:nvSpPr>
-          <p:cNvPr id="147" name="Google Shape;147;p15"/>
-          <p:cNvSpPr txBox="1">
-            <a:spLocks noGrp="1"/>
-          </p:cNvSpPr>
-          <p:nvPr>
-            <p:ph type="body" idx="1"/>
-          </p:nvPr>
-        </p:nvSpPr>
-        <p:spPr>
-          <a:xfrm>
-            <a:off x="1052550" y="1116150"/>
-            <a:ext cx="7038900" cy="2911200"/>
-          </a:xfrm>
-          <a:prstGeom prst="rect">
-            <a:avLst/>
-          </a:prstGeom>
-        </p:spPr>
-        <p:txBody>
-          <a:bodyPr spcFirstLastPara="1" wrap="square" lIns="91425" tIns="91425" rIns="91425" bIns="91425" anchor="ctr" anchorCtr="0">
-            <a:noAutofit/>
-          </a:bodyPr>
-          <a:lstStyle/>
-          <a:p>
-            <a:pPr marL="0" lvl="0" indent="0" algn="ctr" rtl="0">
-              <a:spcBef>
-                <a:spcPts val="0"/>
-              </a:spcBef>
-              <a:spcAft>
-                <a:spcPts val="1600"/>
-              </a:spcAft>
-              <a:buNone/>
-            </a:pPr>
-            <a:r>
-              <a:rPr lang="en" sz="3000" dirty="0"/>
-              <a:t>Do major storms have an effect on crop yield?</a:t>
-            </a:r>
-            <a:endParaRPr sz="3000" dirty="0"/>
-          </a:p>
-        </p:txBody>
-      </p:sp>
-    </p:spTree>
-  </p:cSld>
-  <p:clrMapOvr>
-    <a:masterClrMapping/>
-  </p:clrMapOvr>
-</p:sld>
-</file>
-
-<file path=ppt/slides/slide4.xml><?xml version="1.0" encoding="utf-8"?>
-<p:sld xmlns:a="http://schemas.openxmlformats.org/drawingml/2006/main" xmlns:r="http://schemas.openxmlformats.org/officeDocument/2006/relationships" xmlns:p="http://schemas.openxmlformats.org/presentationml/2006/main">
-  <p:cSld>
-    <p:spTree>
-      <p:nvGrpSpPr>
         <p:cNvPr id="1" name="Shape 151"/>
         <p:cNvGrpSpPr/>
         <p:nvPr/>
@@ -12974,7 +12789,7 @@
             </a:pPr>
             <a:r>
               <a:rPr lang="en-US" sz="2400" dirty="0"/>
-              <a:t>Major storms will have a negative </a:t>
+              <a:t>Major storms have a negative </a:t>
             </a:r>
           </a:p>
           <a:p>
@@ -12996,7 +12811,7 @@
 </p:sld>
 </file>
 
-<file path=ppt/slides/slide5.xml><?xml version="1.0" encoding="utf-8"?>
+<file path=ppt/slides/slide4.xml><?xml version="1.0" encoding="utf-8"?>
 <p:sld xmlns:a="http://schemas.openxmlformats.org/drawingml/2006/main" xmlns:r="http://schemas.openxmlformats.org/officeDocument/2006/relationships" xmlns:p="http://schemas.openxmlformats.org/presentationml/2006/main">
   <p:cSld>
     <p:spTree>
@@ -13122,7 +12937,7 @@
 </p:sld>
 </file>
 
-<file path=ppt/slides/slide6.xml><?xml version="1.0" encoding="utf-8"?>
+<file path=ppt/slides/slide5.xml><?xml version="1.0" encoding="utf-8"?>
 <p:sld xmlns:a="http://schemas.openxmlformats.org/drawingml/2006/main" xmlns:r="http://schemas.openxmlformats.org/officeDocument/2006/relationships" xmlns:p="http://schemas.openxmlformats.org/presentationml/2006/main">
   <p:cSld>
     <p:spTree>
@@ -13245,7 +13060,7 @@
 </p:sld>
 </file>
 
-<file path=ppt/slides/slide7.xml><?xml version="1.0" encoding="utf-8"?>
+<file path=ppt/slides/slide6.xml><?xml version="1.0" encoding="utf-8"?>
 <p:sld xmlns:a="http://schemas.openxmlformats.org/drawingml/2006/main" xmlns:r="http://schemas.openxmlformats.org/officeDocument/2006/relationships" xmlns:p="http://schemas.openxmlformats.org/presentationml/2006/main">
   <p:cSld>
     <p:spTree>
@@ -13510,7 +13325,7 @@
 </p:sld>
 </file>
 
-<file path=ppt/slides/slide8.xml><?xml version="1.0" encoding="utf-8"?>
+<file path=ppt/slides/slide7.xml><?xml version="1.0" encoding="utf-8"?>
 <p:sld xmlns:a="http://schemas.openxmlformats.org/drawingml/2006/main" xmlns:r="http://schemas.openxmlformats.org/officeDocument/2006/relationships" xmlns:p="http://schemas.openxmlformats.org/presentationml/2006/main">
   <p:cSld>
     <p:spTree>
@@ -13577,7 +13392,7 @@
 </p:sld>
 </file>
 
-<file path=ppt/slides/slide9.xml><?xml version="1.0" encoding="utf-8"?>
+<file path=ppt/slides/slide8.xml><?xml version="1.0" encoding="utf-8"?>
 <p:sld xmlns:a="http://schemas.openxmlformats.org/drawingml/2006/main" xmlns:r="http://schemas.openxmlformats.org/officeDocument/2006/relationships" xmlns:p="http://schemas.openxmlformats.org/presentationml/2006/main">
   <p:cSld>
     <p:spTree>
@@ -13622,7 +13437,7 @@
           <a:p>
             <a:r>
               <a:rPr lang="en-US" dirty="0"/>
-              <a:t>Which state has been the most?</a:t>
+              <a:t>Which state has been hit the most?</a:t>
             </a:r>
           </a:p>
         </p:txBody>
@@ -13661,6 +13476,98 @@
     <p:extLst>
       <p:ext uri="{BB962C8B-B14F-4D97-AF65-F5344CB8AC3E}">
         <p14:creationId xmlns:p14="http://schemas.microsoft.com/office/powerpoint/2010/main" val="2698296862"/>
+      </p:ext>
+    </p:extLst>
+  </p:cSld>
+  <p:clrMapOvr>
+    <a:masterClrMapping/>
+  </p:clrMapOvr>
+</p:sld>
+</file>
+
+<file path=ppt/slides/slide9.xml><?xml version="1.0" encoding="utf-8"?>
+<p:sld xmlns:a="http://schemas.openxmlformats.org/drawingml/2006/main" xmlns:r="http://schemas.openxmlformats.org/officeDocument/2006/relationships" xmlns:p="http://schemas.openxmlformats.org/presentationml/2006/main">
+  <p:cSld>
+    <p:spTree>
+      <p:nvGrpSpPr>
+        <p:cNvPr id="1" name=""/>
+        <p:cNvGrpSpPr/>
+        <p:nvPr/>
+      </p:nvGrpSpPr>
+      <p:grpSpPr>
+        <a:xfrm>
+          <a:off x="0" y="0"/>
+          <a:ext cx="0" cy="0"/>
+          <a:chOff x="0" y="0"/>
+          <a:chExt cx="0" cy="0"/>
+        </a:xfrm>
+      </p:grpSpPr>
+      <p:sp>
+        <p:nvSpPr>
+          <p:cNvPr id="2" name="Title 1">
+            <a:extLst>
+              <a:ext uri="{FF2B5EF4-FFF2-40B4-BE49-F238E27FC236}">
+                <a16:creationId xmlns:a16="http://schemas.microsoft.com/office/drawing/2014/main" id="{07D1597C-B898-8346-AF7C-97FDFCC031ED}"/>
+              </a:ext>
+            </a:extLst>
+          </p:cNvPr>
+          <p:cNvSpPr>
+            <a:spLocks noGrp="1"/>
+          </p:cNvSpPr>
+          <p:nvPr>
+            <p:ph type="title"/>
+          </p:nvPr>
+        </p:nvSpPr>
+        <p:spPr>
+          <a:xfrm>
+            <a:off x="1297499" y="393750"/>
+            <a:ext cx="7295171" cy="914100"/>
+          </a:xfrm>
+        </p:spPr>
+        <p:txBody>
+          <a:bodyPr/>
+          <a:lstStyle/>
+          <a:p>
+            <a:r>
+              <a:rPr lang="en-US" dirty="0"/>
+              <a:t>Number of storms by year</a:t>
+            </a:r>
+          </a:p>
+        </p:txBody>
+      </p:sp>
+      <p:pic>
+        <p:nvPicPr>
+          <p:cNvPr id="7" name="Picture 6">
+            <a:extLst>
+              <a:ext uri="{FF2B5EF4-FFF2-40B4-BE49-F238E27FC236}">
+                <a16:creationId xmlns:a16="http://schemas.microsoft.com/office/drawing/2014/main" id="{727FCF38-A9F7-3442-9664-18ECAFFE9113}"/>
+              </a:ext>
+            </a:extLst>
+          </p:cNvPr>
+          <p:cNvPicPr>
+            <a:picLocks noChangeAspect="1"/>
+          </p:cNvPicPr>
+          <p:nvPr/>
+        </p:nvPicPr>
+        <p:blipFill rotWithShape="1">
+          <a:blip r:embed="rId3"/>
+          <a:srcRect l="1470" r="3310"/>
+          <a:stretch/>
+        </p:blipFill>
+        <p:spPr>
+          <a:xfrm>
+            <a:off x="218515" y="1549939"/>
+            <a:ext cx="8706971" cy="2877339"/>
+          </a:xfrm>
+          <a:prstGeom prst="rect">
+            <a:avLst/>
+          </a:prstGeom>
+        </p:spPr>
+      </p:pic>
+    </p:spTree>
+    <p:extLst>
+      <p:ext uri="{BB962C8B-B14F-4D97-AF65-F5344CB8AC3E}">
+        <p14:creationId xmlns:p14="http://schemas.microsoft.com/office/powerpoint/2010/main" val="4161768938"/>
       </p:ext>
     </p:extLst>
   </p:cSld>
